--- a/less-9-分离属性和引入.pptx
+++ b/less-9-分离属性和引入.pptx
@@ -123,7 +123,7 @@
   </p:defaultTextStyle>
   <p:extLst>
     <p:ext uri="{EFAFB233-063F-42B5-8137-9DF3F51BA10A}">
-      <p15:sldGuideLst xmlns="" xmlns:p15="http://schemas.microsoft.com/office/powerpoint/2012/main">
+      <p15:sldGuideLst xmlns:p15="http://schemas.microsoft.com/office/powerpoint/2012/main" xmlns="">
         <p15:guide id="1" orient="horz" pos="2160">
           <p15:clr>
             <a:srgbClr val="A4A3A4"/>
@@ -222,7 +222,7 @@
           <a:p>
             <a:fld id="{918C987C-5DAD-4601-B625-55A3208473B0}" type="datetimeFigureOut">
               <a:rPr lang="zh-CN" altLang="en-US" smtClean="0"/>
-              <a:t>2018/12/14</a:t>
+              <a:t>2018/12/24</a:t>
             </a:fld>
             <a:endParaRPr lang="zh-CN" altLang="en-US"/>
           </a:p>
@@ -671,7 +671,7 @@
           <a:p>
             <a:fld id="{17C7C8FB-1C37-4023-AA22-09D5A8E13DCF}" type="datetimeFigureOut">
               <a:rPr lang="zh-CN" altLang="en-US" smtClean="0"/>
-              <a:t>2018/12/14</a:t>
+              <a:t>2018/12/24</a:t>
             </a:fld>
             <a:endParaRPr lang="zh-CN" altLang="en-US"/>
           </a:p>
@@ -841,7 +841,7 @@
           <a:p>
             <a:fld id="{17C7C8FB-1C37-4023-AA22-09D5A8E13DCF}" type="datetimeFigureOut">
               <a:rPr lang="zh-CN" altLang="en-US" smtClean="0"/>
-              <a:t>2018/12/14</a:t>
+              <a:t>2018/12/24</a:t>
             </a:fld>
             <a:endParaRPr lang="zh-CN" altLang="en-US"/>
           </a:p>
@@ -1021,7 +1021,7 @@
           <a:p>
             <a:fld id="{17C7C8FB-1C37-4023-AA22-09D5A8E13DCF}" type="datetimeFigureOut">
               <a:rPr lang="zh-CN" altLang="en-US" smtClean="0"/>
-              <a:t>2018/12/14</a:t>
+              <a:t>2018/12/24</a:t>
             </a:fld>
             <a:endParaRPr lang="zh-CN" altLang="en-US"/>
           </a:p>
@@ -1191,7 +1191,7 @@
           <a:p>
             <a:fld id="{17C7C8FB-1C37-4023-AA22-09D5A8E13DCF}" type="datetimeFigureOut">
               <a:rPr lang="zh-CN" altLang="en-US" smtClean="0"/>
-              <a:t>2018/12/14</a:t>
+              <a:t>2018/12/24</a:t>
             </a:fld>
             <a:endParaRPr lang="zh-CN" altLang="en-US"/>
           </a:p>
@@ -1437,7 +1437,7 @@
           <a:p>
             <a:fld id="{17C7C8FB-1C37-4023-AA22-09D5A8E13DCF}" type="datetimeFigureOut">
               <a:rPr lang="zh-CN" altLang="en-US" smtClean="0"/>
-              <a:t>2018/12/14</a:t>
+              <a:t>2018/12/24</a:t>
             </a:fld>
             <a:endParaRPr lang="zh-CN" altLang="en-US"/>
           </a:p>
@@ -1725,7 +1725,7 @@
           <a:p>
             <a:fld id="{17C7C8FB-1C37-4023-AA22-09D5A8E13DCF}" type="datetimeFigureOut">
               <a:rPr lang="zh-CN" altLang="en-US" smtClean="0"/>
-              <a:t>2018/12/14</a:t>
+              <a:t>2018/12/24</a:t>
             </a:fld>
             <a:endParaRPr lang="zh-CN" altLang="en-US"/>
           </a:p>
@@ -2147,7 +2147,7 @@
           <a:p>
             <a:fld id="{17C7C8FB-1C37-4023-AA22-09D5A8E13DCF}" type="datetimeFigureOut">
               <a:rPr lang="zh-CN" altLang="en-US" smtClean="0"/>
-              <a:t>2018/12/14</a:t>
+              <a:t>2018/12/24</a:t>
             </a:fld>
             <a:endParaRPr lang="zh-CN" altLang="en-US"/>
           </a:p>
@@ -2265,7 +2265,7 @@
           <a:p>
             <a:fld id="{17C7C8FB-1C37-4023-AA22-09D5A8E13DCF}" type="datetimeFigureOut">
               <a:rPr lang="zh-CN" altLang="en-US" smtClean="0"/>
-              <a:t>2018/12/14</a:t>
+              <a:t>2018/12/24</a:t>
             </a:fld>
             <a:endParaRPr lang="zh-CN" altLang="en-US"/>
           </a:p>
@@ -2360,7 +2360,7 @@
           <a:p>
             <a:fld id="{17C7C8FB-1C37-4023-AA22-09D5A8E13DCF}" type="datetimeFigureOut">
               <a:rPr lang="zh-CN" altLang="en-US" smtClean="0"/>
-              <a:t>2018/12/14</a:t>
+              <a:t>2018/12/24</a:t>
             </a:fld>
             <a:endParaRPr lang="zh-CN" altLang="en-US"/>
           </a:p>
@@ -2637,7 +2637,7 @@
           <a:p>
             <a:fld id="{17C7C8FB-1C37-4023-AA22-09D5A8E13DCF}" type="datetimeFigureOut">
               <a:rPr lang="zh-CN" altLang="en-US" smtClean="0"/>
-              <a:t>2018/12/14</a:t>
+              <a:t>2018/12/24</a:t>
             </a:fld>
             <a:endParaRPr lang="zh-CN" altLang="en-US"/>
           </a:p>
@@ -2890,7 +2890,7 @@
           <a:p>
             <a:fld id="{17C7C8FB-1C37-4023-AA22-09D5A8E13DCF}" type="datetimeFigureOut">
               <a:rPr lang="zh-CN" altLang="en-US" smtClean="0"/>
-              <a:t>2018/12/14</a:t>
+              <a:t>2018/12/24</a:t>
             </a:fld>
             <a:endParaRPr lang="zh-CN" altLang="en-US"/>
           </a:p>
@@ -3103,7 +3103,7 @@
           <a:p>
             <a:fld id="{17C7C8FB-1C37-4023-AA22-09D5A8E13DCF}" type="datetimeFigureOut">
               <a:rPr lang="zh-CN" altLang="en-US" smtClean="0"/>
-              <a:t>2018/12/14</a:t>
+              <a:t>2018/12/24</a:t>
             </a:fld>
             <a:endParaRPr lang="zh-CN" altLang="en-US"/>
           </a:p>
@@ -3555,20 +3555,7 @@
                 <a:latin typeface="微软雅黑" pitchFamily="34" charset="-122"/>
                 <a:ea typeface="微软雅黑" pitchFamily="34" charset="-122"/>
               </a:rPr>
-              <a:t>讲 分离</a:t>
-            </a:r>
-            <a:r>
-              <a:rPr lang="zh-CN" altLang="en-US" sz="3200" b="1" dirty="0" smtClean="0">
-                <a:solidFill>
-                  <a:schemeClr val="tx1">
-                    <a:lumMod val="75000"/>
-                    <a:lumOff val="25000"/>
-                  </a:schemeClr>
-                </a:solidFill>
-                <a:latin typeface="微软雅黑" pitchFamily="34" charset="-122"/>
-                <a:ea typeface="微软雅黑" pitchFamily="34" charset="-122"/>
-              </a:rPr>
-              <a:t>属性</a:t>
+              <a:t>讲 分离属性</a:t>
             </a:r>
             <a:r>
               <a:rPr lang="zh-CN" altLang="en-US" sz="3200" b="1" dirty="0">
@@ -3738,7 +3725,7 @@
                 <a:latin typeface="微软雅黑" pitchFamily="34" charset="-122"/>
                 <a:ea typeface="微软雅黑" pitchFamily="34" charset="-122"/>
               </a:rPr>
-              <a:t>赋值不能扩展分离集合的作用域</a:t>
+              <a:t>分离集合可以使用解锁后的其他区域的变量</a:t>
             </a:r>
             <a:endParaRPr lang="en-US" altLang="zh-CN" sz="2400" dirty="0" smtClean="0">
               <a:solidFill>
@@ -3775,7 +3762,7 @@
         </p:blipFill>
         <p:spPr>
           <a:xfrm>
-            <a:off x="1331640" y="1685681"/>
+            <a:off x="1331640" y="1052736"/>
             <a:ext cx="2495898" cy="3486637"/>
           </a:xfrm>
           <a:prstGeom prst="rect">
@@ -3815,7 +3802,7 @@
         </p:blipFill>
         <p:spPr>
           <a:xfrm>
-            <a:off x="4596796" y="2938394"/>
+            <a:off x="4596796" y="2305449"/>
             <a:ext cx="2400635" cy="981212"/>
           </a:xfrm>
           <a:prstGeom prst="rect">
@@ -3841,7 +3828,7 @@
         </p:nvSpPr>
         <p:spPr>
           <a:xfrm>
-            <a:off x="3844945" y="3199526"/>
+            <a:off x="3844945" y="2566581"/>
             <a:ext cx="504056" cy="720080"/>
           </a:xfrm>
           <a:prstGeom prst="chevron">
@@ -3883,7 +3870,7 @@
         </p:nvSpPr>
         <p:spPr>
           <a:xfrm>
-            <a:off x="1931724" y="5013176"/>
+            <a:off x="1931724" y="4380231"/>
             <a:ext cx="3432364" cy="504056"/>
           </a:xfrm>
           <a:prstGeom prst="wedgeRoundRectCallout">
@@ -4016,7 +4003,20 @@
                 <a:latin typeface="微软雅黑" pitchFamily="34" charset="-122"/>
                 <a:ea typeface="微软雅黑" pitchFamily="34" charset="-122"/>
               </a:rPr>
-              <a:t>我们可以使用</a:t>
+              <a:t>可以</a:t>
+            </a:r>
+            <a:r>
+              <a:rPr lang="zh-CN" altLang="en-US" sz="2400" dirty="0" smtClean="0">
+                <a:solidFill>
+                  <a:schemeClr val="tx1">
+                    <a:lumMod val="75000"/>
+                    <a:lumOff val="25000"/>
+                  </a:schemeClr>
+                </a:solidFill>
+                <a:latin typeface="微软雅黑" pitchFamily="34" charset="-122"/>
+                <a:ea typeface="微软雅黑" pitchFamily="34" charset="-122"/>
+              </a:rPr>
+              <a:t>使用</a:t>
             </a:r>
             <a:r>
               <a:rPr lang="en-US" altLang="zh-CN" sz="2400" dirty="0" smtClean="0">
@@ -4107,7 +4107,33 @@
                 <a:latin typeface="微软雅黑" pitchFamily="34" charset="-122"/>
                 <a:ea typeface="微软雅黑" pitchFamily="34" charset="-122"/>
               </a:rPr>
-              <a:t>.lee,.css</a:t>
+              <a:t>.</a:t>
+            </a:r>
+            <a:r>
+              <a:rPr lang="en-US" altLang="zh-CN" sz="2400" dirty="0" smtClean="0">
+                <a:solidFill>
+                  <a:schemeClr val="tx1">
+                    <a:lumMod val="75000"/>
+                    <a:lumOff val="25000"/>
+                  </a:schemeClr>
+                </a:solidFill>
+                <a:latin typeface="微软雅黑" pitchFamily="34" charset="-122"/>
+                <a:ea typeface="微软雅黑" pitchFamily="34" charset="-122"/>
+              </a:rPr>
+              <a:t>less,.</a:t>
+            </a:r>
+            <a:r>
+              <a:rPr lang="en-US" altLang="zh-CN" sz="2400" dirty="0" smtClean="0">
+                <a:solidFill>
+                  <a:schemeClr val="tx1">
+                    <a:lumMod val="75000"/>
+                    <a:lumOff val="25000"/>
+                  </a:schemeClr>
+                </a:solidFill>
+                <a:latin typeface="微软雅黑" pitchFamily="34" charset="-122"/>
+                <a:ea typeface="微软雅黑" pitchFamily="34" charset="-122"/>
+              </a:rPr>
+              <a:t>css</a:t>
             </a:r>
             <a:r>
               <a:rPr lang="zh-CN" altLang="en-US" sz="2400" dirty="0" smtClean="0">
@@ -4120,7 +4146,46 @@
                 <a:latin typeface="微软雅黑" pitchFamily="34" charset="-122"/>
                 <a:ea typeface="微软雅黑" pitchFamily="34" charset="-122"/>
               </a:rPr>
-              <a:t>之外的后缀名，按</a:t>
+              <a:t>之外的后缀名</a:t>
+            </a:r>
+            <a:r>
+              <a:rPr lang="zh-CN" altLang="en-US" sz="2400" dirty="0" smtClean="0">
+                <a:solidFill>
+                  <a:schemeClr val="tx1">
+                    <a:lumMod val="75000"/>
+                    <a:lumOff val="25000"/>
+                  </a:schemeClr>
+                </a:solidFill>
+                <a:latin typeface="微软雅黑" pitchFamily="34" charset="-122"/>
+                <a:ea typeface="微软雅黑" pitchFamily="34" charset="-122"/>
+              </a:rPr>
+              <a:t>，</a:t>
+            </a:r>
+            <a:r>
+              <a:rPr lang="zh-CN" altLang="en-US" sz="2400" dirty="0">
+                <a:solidFill>
+                  <a:schemeClr val="tx1">
+                    <a:lumMod val="75000"/>
+                    <a:lumOff val="25000"/>
+                  </a:schemeClr>
+                </a:solidFill>
+                <a:latin typeface="微软雅黑" pitchFamily="34" charset="-122"/>
+                <a:ea typeface="微软雅黑" pitchFamily="34" charset="-122"/>
+              </a:rPr>
+              <a:t>但</a:t>
+            </a:r>
+            <a:r>
+              <a:rPr lang="zh-CN" altLang="en-US" sz="2400" dirty="0" smtClean="0">
+                <a:solidFill>
+                  <a:schemeClr val="tx1">
+                    <a:lumMod val="75000"/>
+                    <a:lumOff val="25000"/>
+                  </a:schemeClr>
+                </a:solidFill>
+                <a:latin typeface="微软雅黑" pitchFamily="34" charset="-122"/>
+                <a:ea typeface="微软雅黑" pitchFamily="34" charset="-122"/>
+              </a:rPr>
+              <a:t>按</a:t>
             </a:r>
             <a:r>
               <a:rPr lang="en-US" altLang="zh-CN" sz="2400" dirty="0" smtClean="0">
@@ -4194,20 +4259,7 @@
                 <a:latin typeface="微软雅黑" pitchFamily="34" charset="-122"/>
                 <a:ea typeface="微软雅黑" pitchFamily="34" charset="-122"/>
               </a:rPr>
-              <a:t>3</a:t>
-            </a:r>
-            <a:r>
-              <a:rPr lang="en-US" altLang="zh-CN" sz="2800" b="1" dirty="0" smtClean="0">
-                <a:solidFill>
-                  <a:schemeClr val="tx1">
-                    <a:lumMod val="75000"/>
-                    <a:lumOff val="25000"/>
-                  </a:schemeClr>
-                </a:solidFill>
-                <a:latin typeface="微软雅黑" pitchFamily="34" charset="-122"/>
-                <a:ea typeface="微软雅黑" pitchFamily="34" charset="-122"/>
-              </a:rPr>
-              <a:t>.</a:t>
+              <a:t>3.</a:t>
             </a:r>
             <a:r>
               <a:rPr lang="zh-CN" altLang="en-US" sz="2800" b="1" dirty="0" smtClean="0">
@@ -4551,14 +4603,7 @@
                 <a:latin typeface="微软雅黑" pitchFamily="34" charset="-122"/>
                 <a:ea typeface="微软雅黑" pitchFamily="34" charset="-122"/>
               </a:rPr>
-              <a:t>s</a:t>
-            </a:r>
-            <a:r>
-              <a:rPr lang="en-US" altLang="zh-CN" dirty="0" err="1" smtClean="0">
-                <a:latin typeface="微软雅黑" pitchFamily="34" charset="-122"/>
-                <a:ea typeface="微软雅黑" pitchFamily="34" charset="-122"/>
-              </a:rPr>
-              <a:t>tyles.less</a:t>
+              <a:t>styles.less</a:t>
             </a:r>
             <a:endParaRPr lang="zh-CN" altLang="en-US" dirty="0">
               <a:latin typeface="微软雅黑" pitchFamily="34" charset="-122"/>
@@ -5016,16 +5061,6 @@
               </a:rPr>
               <a:t> </a:t>
             </a:r>
-            <a:endParaRPr lang="en-US" altLang="zh-CN" sz="2400" dirty="0" smtClean="0">
-              <a:solidFill>
-                <a:schemeClr val="tx1">
-                  <a:lumMod val="75000"/>
-                  <a:lumOff val="25000"/>
-                </a:schemeClr>
-              </a:solidFill>
-              <a:latin typeface="微软雅黑" pitchFamily="34" charset="-122"/>
-              <a:ea typeface="微软雅黑" pitchFamily="34" charset="-122"/>
-            </a:endParaRPr>
           </a:p>
         </p:txBody>
       </p:sp>
@@ -5116,7 +5151,7 @@
         <p:spPr>
           <a:xfrm>
             <a:off x="684000" y="188640"/>
-            <a:ext cx="7776000" cy="1135054"/>
+            <a:ext cx="7776000" cy="1200329"/>
           </a:xfrm>
           <a:prstGeom prst="rect">
             <a:avLst/>
@@ -5135,6 +5170,19 @@
               </a:lnSpc>
             </a:pPr>
             <a:r>
+              <a:rPr lang="zh-CN" altLang="en-US" sz="2400" b="1" dirty="0" smtClean="0">
+                <a:solidFill>
+                  <a:schemeClr val="tx1">
+                    <a:lumMod val="75000"/>
+                    <a:lumOff val="25000"/>
+                  </a:schemeClr>
+                </a:solidFill>
+                <a:latin typeface="微软雅黑" pitchFamily="34" charset="-122"/>
+                <a:ea typeface="微软雅黑" pitchFamily="34" charset="-122"/>
+              </a:rPr>
+              <a:t>参数 </a:t>
+            </a:r>
+            <a:r>
               <a:rPr lang="en-US" altLang="zh-CN" sz="2400" b="1" dirty="0" smtClean="0">
                 <a:solidFill>
                   <a:schemeClr val="tx1">
@@ -5197,20 +5245,7 @@
                 <a:latin typeface="微软雅黑" pitchFamily="34" charset="-122"/>
                 <a:ea typeface="微软雅黑" pitchFamily="34" charset="-122"/>
               </a:rPr>
-              <a:t>混合</a:t>
-            </a:r>
-            <a:r>
-              <a:rPr lang="zh-CN" altLang="en-US" sz="2400" dirty="0" smtClean="0">
-                <a:solidFill>
-                  <a:schemeClr val="tx1">
-                    <a:lumMod val="75000"/>
-                    <a:lumOff val="25000"/>
-                  </a:schemeClr>
-                </a:solidFill>
-                <a:latin typeface="微软雅黑" pitchFamily="34" charset="-122"/>
-                <a:ea typeface="微软雅黑" pitchFamily="34" charset="-122"/>
-              </a:rPr>
-              <a:t>，扩展</a:t>
+              <a:t>混合，扩展</a:t>
             </a:r>
             <a:r>
               <a:rPr lang="en-US" altLang="zh-CN" sz="2400" dirty="0" smtClean="0">
@@ -5401,6 +5436,16 @@
           <a:prstGeom prst="rect">
             <a:avLst/>
           </a:prstGeom>
+          <a:ln>
+            <a:noFill/>
+          </a:ln>
+          <a:effectLst>
+            <a:outerShdw blurRad="292100" dist="139700" dir="2700000" algn="tl" rotWithShape="0">
+              <a:srgbClr val="333333">
+                <a:alpha val="65000"/>
+              </a:srgbClr>
+            </a:outerShdw>
+          </a:effectLst>
         </p:spPr>
       </p:pic>
       <p:sp>
@@ -5454,6 +5499,65 @@
                 <a:ea typeface="微软雅黑" pitchFamily="34" charset="-122"/>
               </a:rPr>
               <a:t>没有被引用，因此没有输出</a:t>
+            </a:r>
+            <a:endParaRPr lang="zh-CN" altLang="en-US" dirty="0">
+              <a:latin typeface="微软雅黑" pitchFamily="34" charset="-122"/>
+              <a:ea typeface="微软雅黑" pitchFamily="34" charset="-122"/>
+            </a:endParaRPr>
+          </a:p>
+        </p:txBody>
+      </p:sp>
+      <p:sp>
+        <p:nvSpPr>
+          <p:cNvPr id="9" name="圆角矩形标注 8"/>
+          <p:cNvSpPr/>
+          <p:nvPr/>
+        </p:nvSpPr>
+        <p:spPr>
+          <a:xfrm>
+            <a:off x="5458848" y="1136941"/>
+            <a:ext cx="1970829" cy="504056"/>
+          </a:xfrm>
+          <a:prstGeom prst="wedgeRoundRectCallout">
+            <a:avLst>
+              <a:gd name="adj1" fmla="val -19986"/>
+              <a:gd name="adj2" fmla="val 73663"/>
+              <a:gd name="adj3" fmla="val 16667"/>
+            </a:avLst>
+          </a:prstGeom>
+        </p:spPr>
+        <p:style>
+          <a:lnRef idx="2">
+            <a:schemeClr val="accent5"/>
+          </a:lnRef>
+          <a:fillRef idx="1">
+            <a:schemeClr val="lt1"/>
+          </a:fillRef>
+          <a:effectRef idx="0">
+            <a:schemeClr val="accent5"/>
+          </a:effectRef>
+          <a:fontRef idx="minor">
+            <a:schemeClr val="dk1"/>
+          </a:fontRef>
+        </p:style>
+        <p:txBody>
+          <a:bodyPr rtlCol="0" anchor="ctr"/>
+          <a:lstStyle/>
+          <a:p>
+            <a:pPr algn="ctr"/>
+            <a:r>
+              <a:rPr lang="en-US" altLang="zh-CN" dirty="0">
+                <a:latin typeface="微软雅黑" pitchFamily="34" charset="-122"/>
+                <a:ea typeface="微软雅黑" pitchFamily="34" charset="-122"/>
+              </a:rPr>
+              <a:t>s</a:t>
+            </a:r>
+            <a:r>
+              <a:rPr lang="en-US" altLang="zh-CN" dirty="0" smtClean="0">
+                <a:latin typeface="微软雅黑" pitchFamily="34" charset="-122"/>
+                <a:ea typeface="微软雅黑" pitchFamily="34" charset="-122"/>
+              </a:rPr>
+              <a:t>tyles2.less</a:t>
             </a:r>
             <a:endParaRPr lang="zh-CN" altLang="en-US" dirty="0">
               <a:latin typeface="微软雅黑" pitchFamily="34" charset="-122"/>
@@ -5520,6 +5624,19 @@
               </a:lnSpc>
             </a:pPr>
             <a:r>
+              <a:rPr lang="zh-CN" altLang="en-US" sz="2400" b="1" dirty="0" smtClean="0">
+                <a:solidFill>
+                  <a:schemeClr val="tx1">
+                    <a:lumMod val="75000"/>
+                    <a:lumOff val="25000"/>
+                  </a:schemeClr>
+                </a:solidFill>
+                <a:latin typeface="微软雅黑" pitchFamily="34" charset="-122"/>
+                <a:ea typeface="微软雅黑" pitchFamily="34" charset="-122"/>
+              </a:rPr>
+              <a:t>参数 </a:t>
+            </a:r>
+            <a:r>
               <a:rPr lang="en-US" altLang="zh-CN" sz="2400" b="1" dirty="0" smtClean="0">
                 <a:solidFill>
                   <a:schemeClr val="tx1">
@@ -5556,7 +5673,33 @@
                 <a:latin typeface="微软雅黑" pitchFamily="34" charset="-122"/>
                 <a:ea typeface="微软雅黑" pitchFamily="34" charset="-122"/>
               </a:rPr>
-              <a:t>外部</a:t>
+              <a:t>外部文件被包含，但是</a:t>
+            </a:r>
+            <a:r>
+              <a:rPr lang="zh-CN" altLang="en-US" sz="2400" b="1" dirty="0" smtClean="0">
+                <a:solidFill>
+                  <a:schemeClr val="tx1">
+                    <a:lumMod val="75000"/>
+                    <a:lumOff val="25000"/>
+                  </a:schemeClr>
+                </a:solidFill>
+                <a:latin typeface="微软雅黑" pitchFamily="34" charset="-122"/>
+                <a:ea typeface="微软雅黑" pitchFamily="34" charset="-122"/>
+              </a:rPr>
+              <a:t>不编译</a:t>
+            </a:r>
+            <a:r>
+              <a:rPr lang="en-US" altLang="zh-CN" sz="2400" dirty="0" smtClean="0">
+                <a:solidFill>
+                  <a:schemeClr val="tx1">
+                    <a:lumMod val="75000"/>
+                    <a:lumOff val="25000"/>
+                  </a:schemeClr>
+                </a:solidFill>
+                <a:latin typeface="微软雅黑" pitchFamily="34" charset="-122"/>
+                <a:ea typeface="微软雅黑" pitchFamily="34" charset="-122"/>
+              </a:rPr>
+              <a:t>.</a:t>
             </a:r>
             <a:r>
               <a:rPr lang="zh-CN" altLang="en-US" sz="2400" dirty="0" smtClean="0">
@@ -5569,20 +5712,7 @@
                 <a:latin typeface="微软雅黑" pitchFamily="34" charset="-122"/>
                 <a:ea typeface="微软雅黑" pitchFamily="34" charset="-122"/>
               </a:rPr>
-              <a:t>文件被包含，但是</a:t>
-            </a:r>
-            <a:r>
-              <a:rPr lang="zh-CN" altLang="en-US" sz="2400" b="1" dirty="0" smtClean="0">
-                <a:solidFill>
-                  <a:schemeClr val="tx1">
-                    <a:lumMod val="75000"/>
-                    <a:lumOff val="25000"/>
-                  </a:schemeClr>
-                </a:solidFill>
-                <a:latin typeface="微软雅黑" pitchFamily="34" charset="-122"/>
-                <a:ea typeface="微软雅黑" pitchFamily="34" charset="-122"/>
-              </a:rPr>
-              <a:t>不处理</a:t>
+              <a:t>可以用这种方式包含</a:t>
             </a:r>
             <a:r>
               <a:rPr lang="en-US" altLang="zh-CN" sz="2400" dirty="0" smtClean="0">
@@ -5595,174 +5725,138 @@
                 <a:latin typeface="微软雅黑" pitchFamily="34" charset="-122"/>
                 <a:ea typeface="微软雅黑" pitchFamily="34" charset="-122"/>
               </a:rPr>
+              <a:t>CSS</a:t>
+            </a:r>
+            <a:r>
+              <a:rPr lang="zh-CN" altLang="en-US" sz="2400" dirty="0" smtClean="0">
+                <a:solidFill>
+                  <a:schemeClr val="tx1">
+                    <a:lumMod val="75000"/>
+                    <a:lumOff val="25000"/>
+                  </a:schemeClr>
+                </a:solidFill>
+                <a:latin typeface="微软雅黑" pitchFamily="34" charset="-122"/>
+                <a:ea typeface="微软雅黑" pitchFamily="34" charset="-122"/>
+              </a:rPr>
+              <a:t>文件，虽然</a:t>
+            </a:r>
+            <a:r>
+              <a:rPr lang="en-US" altLang="zh-CN" sz="2400" dirty="0" smtClean="0">
+                <a:solidFill>
+                  <a:schemeClr val="tx1">
+                    <a:lumMod val="75000"/>
+                    <a:lumOff val="25000"/>
+                  </a:schemeClr>
+                </a:solidFill>
+                <a:latin typeface="微软雅黑" pitchFamily="34" charset="-122"/>
+                <a:ea typeface="微软雅黑" pitchFamily="34" charset="-122"/>
+              </a:rPr>
+              <a:t>less</a:t>
+            </a:r>
+            <a:r>
+              <a:rPr lang="zh-CN" altLang="en-US" sz="2400" dirty="0" smtClean="0">
+                <a:solidFill>
+                  <a:schemeClr val="tx1">
+                    <a:lumMod val="75000"/>
+                    <a:lumOff val="25000"/>
+                  </a:schemeClr>
+                </a:solidFill>
+                <a:latin typeface="微软雅黑" pitchFamily="34" charset="-122"/>
+                <a:ea typeface="微软雅黑" pitchFamily="34" charset="-122"/>
+              </a:rPr>
+              <a:t>文件支持绝大多数标准</a:t>
+            </a:r>
+            <a:r>
+              <a:rPr lang="en-US" altLang="zh-CN" sz="2400" dirty="0" smtClean="0">
+                <a:solidFill>
+                  <a:schemeClr val="tx1">
+                    <a:lumMod val="75000"/>
+                    <a:lumOff val="25000"/>
+                  </a:schemeClr>
+                </a:solidFill>
+                <a:latin typeface="微软雅黑" pitchFamily="34" charset="-122"/>
+                <a:ea typeface="微软雅黑" pitchFamily="34" charset="-122"/>
+              </a:rPr>
+              <a:t>CSS</a:t>
+            </a:r>
+            <a:r>
+              <a:rPr lang="zh-CN" altLang="en-US" sz="2400" dirty="0" smtClean="0">
+                <a:solidFill>
+                  <a:schemeClr val="tx1">
+                    <a:lumMod val="75000"/>
+                    <a:lumOff val="25000"/>
+                  </a:schemeClr>
+                </a:solidFill>
+                <a:latin typeface="微软雅黑" pitchFamily="34" charset="-122"/>
+                <a:ea typeface="微软雅黑" pitchFamily="34" charset="-122"/>
+              </a:rPr>
+              <a:t>，但是诸如注释，</a:t>
+            </a:r>
+            <a:r>
+              <a:rPr lang="en-US" altLang="zh-CN" sz="2400" dirty="0" smtClean="0">
+                <a:solidFill>
+                  <a:schemeClr val="tx1">
+                    <a:lumMod val="75000"/>
+                    <a:lumOff val="25000"/>
+                  </a:schemeClr>
+                </a:solidFill>
+                <a:latin typeface="微软雅黑" pitchFamily="34" charset="-122"/>
+                <a:ea typeface="微软雅黑" pitchFamily="34" charset="-122"/>
+              </a:rPr>
+              <a:t>hacks</a:t>
+            </a:r>
+            <a:r>
+              <a:rPr lang="zh-CN" altLang="en-US" sz="2400" dirty="0" smtClean="0">
+                <a:solidFill>
+                  <a:schemeClr val="tx1">
+                    <a:lumMod val="75000"/>
+                    <a:lumOff val="25000"/>
+                  </a:schemeClr>
+                </a:solidFill>
+                <a:latin typeface="微软雅黑" pitchFamily="34" charset="-122"/>
+                <a:ea typeface="微软雅黑" pitchFamily="34" charset="-122"/>
+              </a:rPr>
+              <a:t>的</a:t>
+            </a:r>
+            <a:r>
+              <a:rPr lang="en-US" altLang="zh-CN" sz="2400" dirty="0" smtClean="0">
+                <a:solidFill>
+                  <a:schemeClr val="tx1">
+                    <a:lumMod val="75000"/>
+                    <a:lumOff val="25000"/>
+                  </a:schemeClr>
+                </a:solidFill>
+                <a:latin typeface="微软雅黑" pitchFamily="34" charset="-122"/>
+                <a:ea typeface="微软雅黑" pitchFamily="34" charset="-122"/>
+              </a:rPr>
+              <a:t>CSS</a:t>
+            </a:r>
+            <a:r>
+              <a:rPr lang="zh-CN" altLang="en-US" sz="2400" dirty="0" smtClean="0">
+                <a:solidFill>
+                  <a:schemeClr val="tx1">
+                    <a:lumMod val="75000"/>
+                    <a:lumOff val="25000"/>
+                  </a:schemeClr>
+                </a:solidFill>
+                <a:latin typeface="微软雅黑" pitchFamily="34" charset="-122"/>
+                <a:ea typeface="微软雅黑" pitchFamily="34" charset="-122"/>
+              </a:rPr>
+              <a:t>并不支持</a:t>
+            </a:r>
+            <a:r>
+              <a:rPr lang="en-US" altLang="zh-CN" sz="2400" dirty="0" smtClean="0">
+                <a:solidFill>
+                  <a:schemeClr val="tx1">
+                    <a:lumMod val="75000"/>
+                    <a:lumOff val="25000"/>
+                  </a:schemeClr>
+                </a:solidFill>
+                <a:latin typeface="微软雅黑" pitchFamily="34" charset="-122"/>
+                <a:ea typeface="微软雅黑" pitchFamily="34" charset="-122"/>
+              </a:rPr>
               <a:t>.</a:t>
             </a:r>
-            <a:r>
-              <a:rPr lang="zh-CN" altLang="en-US" sz="2400" dirty="0" smtClean="0">
-                <a:solidFill>
-                  <a:schemeClr val="tx1">
-                    <a:lumMod val="75000"/>
-                    <a:lumOff val="25000"/>
-                  </a:schemeClr>
-                </a:solidFill>
-                <a:latin typeface="微软雅黑" pitchFamily="34" charset="-122"/>
-                <a:ea typeface="微软雅黑" pitchFamily="34" charset="-122"/>
-              </a:rPr>
-              <a:t>可以用这种方式包含</a:t>
-            </a:r>
-            <a:r>
-              <a:rPr lang="en-US" altLang="zh-CN" sz="2400" dirty="0" smtClean="0">
-                <a:solidFill>
-                  <a:schemeClr val="tx1">
-                    <a:lumMod val="75000"/>
-                    <a:lumOff val="25000"/>
-                  </a:schemeClr>
-                </a:solidFill>
-                <a:latin typeface="微软雅黑" pitchFamily="34" charset="-122"/>
-                <a:ea typeface="微软雅黑" pitchFamily="34" charset="-122"/>
-              </a:rPr>
-              <a:t>CSS</a:t>
-            </a:r>
-            <a:r>
-              <a:rPr lang="zh-CN" altLang="en-US" sz="2400" dirty="0" smtClean="0">
-                <a:solidFill>
-                  <a:schemeClr val="tx1">
-                    <a:lumMod val="75000"/>
-                    <a:lumOff val="25000"/>
-                  </a:schemeClr>
-                </a:solidFill>
-                <a:latin typeface="微软雅黑" pitchFamily="34" charset="-122"/>
-                <a:ea typeface="微软雅黑" pitchFamily="34" charset="-122"/>
-              </a:rPr>
-              <a:t>文件，虽然</a:t>
-            </a:r>
-            <a:r>
-              <a:rPr lang="en-US" altLang="zh-CN" sz="2400" dirty="0" smtClean="0">
-                <a:solidFill>
-                  <a:schemeClr val="tx1">
-                    <a:lumMod val="75000"/>
-                    <a:lumOff val="25000"/>
-                  </a:schemeClr>
-                </a:solidFill>
-                <a:latin typeface="微软雅黑" pitchFamily="34" charset="-122"/>
-                <a:ea typeface="微软雅黑" pitchFamily="34" charset="-122"/>
-              </a:rPr>
-              <a:t>less</a:t>
-            </a:r>
-            <a:r>
-              <a:rPr lang="zh-CN" altLang="en-US" sz="2400" dirty="0" smtClean="0">
-                <a:solidFill>
-                  <a:schemeClr val="tx1">
-                    <a:lumMod val="75000"/>
-                    <a:lumOff val="25000"/>
-                  </a:schemeClr>
-                </a:solidFill>
-                <a:latin typeface="微软雅黑" pitchFamily="34" charset="-122"/>
-                <a:ea typeface="微软雅黑" pitchFamily="34" charset="-122"/>
-              </a:rPr>
-              <a:t>文件支持绝大多数标准</a:t>
-            </a:r>
-            <a:r>
-              <a:rPr lang="en-US" altLang="zh-CN" sz="2400" dirty="0" smtClean="0">
-                <a:solidFill>
-                  <a:schemeClr val="tx1">
-                    <a:lumMod val="75000"/>
-                    <a:lumOff val="25000"/>
-                  </a:schemeClr>
-                </a:solidFill>
-                <a:latin typeface="微软雅黑" pitchFamily="34" charset="-122"/>
-                <a:ea typeface="微软雅黑" pitchFamily="34" charset="-122"/>
-              </a:rPr>
-              <a:t>CSS</a:t>
-            </a:r>
-            <a:r>
-              <a:rPr lang="zh-CN" altLang="en-US" sz="2400" dirty="0" smtClean="0">
-                <a:solidFill>
-                  <a:schemeClr val="tx1">
-                    <a:lumMod val="75000"/>
-                    <a:lumOff val="25000"/>
-                  </a:schemeClr>
-                </a:solidFill>
-                <a:latin typeface="微软雅黑" pitchFamily="34" charset="-122"/>
-                <a:ea typeface="微软雅黑" pitchFamily="34" charset="-122"/>
-              </a:rPr>
-              <a:t>，但是诸如注释，</a:t>
-            </a:r>
-            <a:r>
-              <a:rPr lang="en-US" altLang="zh-CN" sz="2400" dirty="0" smtClean="0">
-                <a:solidFill>
-                  <a:schemeClr val="tx1">
-                    <a:lumMod val="75000"/>
-                    <a:lumOff val="25000"/>
-                  </a:schemeClr>
-                </a:solidFill>
-                <a:latin typeface="微软雅黑" pitchFamily="34" charset="-122"/>
-                <a:ea typeface="微软雅黑" pitchFamily="34" charset="-122"/>
-              </a:rPr>
-              <a:t>hacks</a:t>
-            </a:r>
-            <a:r>
-              <a:rPr lang="zh-CN" altLang="en-US" sz="2400" dirty="0" smtClean="0">
-                <a:solidFill>
-                  <a:schemeClr val="tx1">
-                    <a:lumMod val="75000"/>
-                    <a:lumOff val="25000"/>
-                  </a:schemeClr>
-                </a:solidFill>
-                <a:latin typeface="微软雅黑" pitchFamily="34" charset="-122"/>
-                <a:ea typeface="微软雅黑" pitchFamily="34" charset="-122"/>
-              </a:rPr>
-              <a:t>的</a:t>
-            </a:r>
-            <a:r>
-              <a:rPr lang="en-US" altLang="zh-CN" sz="2400" dirty="0" smtClean="0">
-                <a:solidFill>
-                  <a:schemeClr val="tx1">
-                    <a:lumMod val="75000"/>
-                    <a:lumOff val="25000"/>
-                  </a:schemeClr>
-                </a:solidFill>
-                <a:latin typeface="微软雅黑" pitchFamily="34" charset="-122"/>
-                <a:ea typeface="微软雅黑" pitchFamily="34" charset="-122"/>
-              </a:rPr>
-              <a:t>CSS</a:t>
-            </a:r>
-            <a:r>
-              <a:rPr lang="zh-CN" altLang="en-US" sz="2400" dirty="0" smtClean="0">
-                <a:solidFill>
-                  <a:schemeClr val="tx1">
-                    <a:lumMod val="75000"/>
-                    <a:lumOff val="25000"/>
-                  </a:schemeClr>
-                </a:solidFill>
-                <a:latin typeface="微软雅黑" pitchFamily="34" charset="-122"/>
-                <a:ea typeface="微软雅黑" pitchFamily="34" charset="-122"/>
-              </a:rPr>
-              <a:t>并不支持</a:t>
-            </a:r>
-            <a:r>
-              <a:rPr lang="en-US" altLang="zh-CN" sz="2400" dirty="0" smtClean="0">
-                <a:solidFill>
-                  <a:schemeClr val="tx1">
-                    <a:lumMod val="75000"/>
-                    <a:lumOff val="25000"/>
-                  </a:schemeClr>
-                </a:solidFill>
-                <a:latin typeface="微软雅黑" pitchFamily="34" charset="-122"/>
-                <a:ea typeface="微软雅黑" pitchFamily="34" charset="-122"/>
-              </a:rPr>
-              <a:t>.</a:t>
-            </a:r>
-            <a:endParaRPr lang="en-US" altLang="zh-CN" sz="2400" dirty="0" smtClean="0">
-              <a:solidFill>
-                <a:schemeClr val="tx1">
-                  <a:lumMod val="75000"/>
-                  <a:lumOff val="25000"/>
-                </a:schemeClr>
-              </a:solidFill>
-              <a:latin typeface="微软雅黑" pitchFamily="34" charset="-122"/>
-              <a:ea typeface="微软雅黑" pitchFamily="34" charset="-122"/>
-            </a:endParaRPr>
           </a:p>
         </p:txBody>
       </p:sp>
@@ -5967,11 +6061,18 @@
           <a:p>
             <a:pPr algn="ctr"/>
             <a:r>
+              <a:rPr lang="en-US" altLang="zh-CN" dirty="0">
+                <a:latin typeface="微软雅黑" pitchFamily="34" charset="-122"/>
+                <a:ea typeface="微软雅黑" pitchFamily="34" charset="-122"/>
+              </a:rPr>
+              <a:t>l</a:t>
+            </a:r>
+            <a:r>
               <a:rPr lang="en-US" altLang="zh-CN" dirty="0" smtClean="0">
                 <a:latin typeface="微软雅黑" pitchFamily="34" charset="-122"/>
                 <a:ea typeface="微软雅黑" pitchFamily="34" charset="-122"/>
               </a:rPr>
-              <a:t>Less </a:t>
+              <a:t>ess </a:t>
             </a:r>
             <a:r>
               <a:rPr lang="zh-CN" altLang="en-US" dirty="0" smtClean="0">
@@ -5986,6 +6087,65 @@
                 <a:ea typeface="微软雅黑" pitchFamily="34" charset="-122"/>
               </a:rPr>
               <a:t>css</a:t>
+            </a:r>
+            <a:endParaRPr lang="zh-CN" altLang="en-US" dirty="0">
+              <a:latin typeface="微软雅黑" pitchFamily="34" charset="-122"/>
+              <a:ea typeface="微软雅黑" pitchFamily="34" charset="-122"/>
+            </a:endParaRPr>
+          </a:p>
+        </p:txBody>
+      </p:sp>
+      <p:sp>
+        <p:nvSpPr>
+          <p:cNvPr id="8" name="圆角矩形标注 7"/>
+          <p:cNvSpPr/>
+          <p:nvPr/>
+        </p:nvSpPr>
+        <p:spPr>
+          <a:xfrm>
+            <a:off x="6156176" y="1872040"/>
+            <a:ext cx="1970829" cy="504056"/>
+          </a:xfrm>
+          <a:prstGeom prst="wedgeRoundRectCallout">
+            <a:avLst>
+              <a:gd name="adj1" fmla="val -19986"/>
+              <a:gd name="adj2" fmla="val 73663"/>
+              <a:gd name="adj3" fmla="val 16667"/>
+            </a:avLst>
+          </a:prstGeom>
+        </p:spPr>
+        <p:style>
+          <a:lnRef idx="2">
+            <a:schemeClr val="accent5"/>
+          </a:lnRef>
+          <a:fillRef idx="1">
+            <a:schemeClr val="lt1"/>
+          </a:fillRef>
+          <a:effectRef idx="0">
+            <a:schemeClr val="accent5"/>
+          </a:effectRef>
+          <a:fontRef idx="minor">
+            <a:schemeClr val="dk1"/>
+          </a:fontRef>
+        </p:style>
+        <p:txBody>
+          <a:bodyPr rtlCol="0" anchor="ctr"/>
+          <a:lstStyle/>
+          <a:p>
+            <a:pPr algn="ctr"/>
+            <a:r>
+              <a:rPr lang="en-US" altLang="zh-CN" dirty="0">
+                <a:latin typeface="微软雅黑" pitchFamily="34" charset="-122"/>
+                <a:ea typeface="微软雅黑" pitchFamily="34" charset="-122"/>
+              </a:rPr>
+              <a:t>s</a:t>
+            </a:r>
+            <a:r>
+              <a:rPr lang="en-US" altLang="zh-CN" dirty="0" smtClean="0">
+                <a:latin typeface="微软雅黑" pitchFamily="34" charset="-122"/>
+                <a:ea typeface="微软雅黑" pitchFamily="34" charset="-122"/>
+              </a:rPr>
+              <a:t>tyles2.less</a:t>
             </a:r>
             <a:endParaRPr lang="zh-CN" altLang="en-US" dirty="0">
               <a:latin typeface="微软雅黑" pitchFamily="34" charset="-122"/>
@@ -6052,6 +6212,19 @@
               </a:lnSpc>
             </a:pPr>
             <a:r>
+              <a:rPr lang="zh-CN" altLang="en-US" sz="2400" b="1" dirty="0" smtClean="0">
+                <a:solidFill>
+                  <a:schemeClr val="tx1">
+                    <a:lumMod val="75000"/>
+                    <a:lumOff val="25000"/>
+                  </a:schemeClr>
+                </a:solidFill>
+                <a:latin typeface="微软雅黑" pitchFamily="34" charset="-122"/>
+                <a:ea typeface="微软雅黑" pitchFamily="34" charset="-122"/>
+              </a:rPr>
+              <a:t>参数 </a:t>
+            </a:r>
+            <a:r>
               <a:rPr lang="en-US" altLang="zh-CN" sz="2400" b="1" dirty="0" smtClean="0">
                 <a:solidFill>
                   <a:schemeClr val="tx1">
@@ -6150,6 +6323,19 @@
               </a:lnSpc>
             </a:pPr>
             <a:r>
+              <a:rPr lang="zh-CN" altLang="en-US" sz="2400" b="1" dirty="0" smtClean="0">
+                <a:solidFill>
+                  <a:schemeClr val="tx1">
+                    <a:lumMod val="75000"/>
+                    <a:lumOff val="25000"/>
+                  </a:schemeClr>
+                </a:solidFill>
+                <a:latin typeface="微软雅黑" pitchFamily="34" charset="-122"/>
+                <a:ea typeface="微软雅黑" pitchFamily="34" charset="-122"/>
+              </a:rPr>
+              <a:t>参数 </a:t>
+            </a:r>
+            <a:r>
               <a:rPr lang="en-US" altLang="zh-CN" sz="2400" b="1" dirty="0" err="1" smtClean="0">
                 <a:solidFill>
                   <a:schemeClr val="tx1">
@@ -6261,17 +6447,17 @@
               </a:lnSpc>
             </a:pPr>
             <a:r>
-              <a:rPr lang="en-US" altLang="zh-CN" sz="2400" b="1" dirty="0">
-                <a:solidFill>
-                  <a:schemeClr val="tx1">
-                    <a:lumMod val="75000"/>
-                    <a:lumOff val="25000"/>
-                  </a:schemeClr>
-                </a:solidFill>
-                <a:latin typeface="微软雅黑" pitchFamily="34" charset="-122"/>
-                <a:ea typeface="微软雅黑" pitchFamily="34" charset="-122"/>
-              </a:rPr>
-              <a:t>o</a:t>
+              <a:rPr lang="zh-CN" altLang="en-US" sz="2400" b="1" dirty="0" smtClean="0">
+                <a:solidFill>
+                  <a:schemeClr val="tx1">
+                    <a:lumMod val="75000"/>
+                    <a:lumOff val="25000"/>
+                  </a:schemeClr>
+                </a:solidFill>
+                <a:latin typeface="微软雅黑" pitchFamily="34" charset="-122"/>
+                <a:ea typeface="微软雅黑" pitchFamily="34" charset="-122"/>
+              </a:rPr>
+              <a:t>参数 </a:t>
             </a:r>
             <a:r>
               <a:rPr lang="en-US" altLang="zh-CN" sz="2400" b="1" dirty="0" smtClean="0">
@@ -6284,7 +6470,7 @@
                 <a:latin typeface="微软雅黑" pitchFamily="34" charset="-122"/>
                 <a:ea typeface="微软雅黑" pitchFamily="34" charset="-122"/>
               </a:rPr>
-              <a:t>nce</a:t>
+              <a:t>once</a:t>
             </a:r>
             <a:r>
               <a:rPr lang="zh-CN" altLang="en-US" sz="2400" dirty="0" smtClean="0">
@@ -6395,17 +6581,17 @@
               </a:lnSpc>
             </a:pPr>
             <a:r>
-              <a:rPr lang="en-US" altLang="zh-CN" sz="2400" b="1" dirty="0">
-                <a:solidFill>
-                  <a:schemeClr val="tx1">
-                    <a:lumMod val="75000"/>
-                    <a:lumOff val="25000"/>
-                  </a:schemeClr>
-                </a:solidFill>
-                <a:latin typeface="微软雅黑" pitchFamily="34" charset="-122"/>
-                <a:ea typeface="微软雅黑" pitchFamily="34" charset="-122"/>
-              </a:rPr>
-              <a:t>m</a:t>
+              <a:rPr lang="zh-CN" altLang="en-US" sz="2400" b="1" dirty="0" smtClean="0">
+                <a:solidFill>
+                  <a:schemeClr val="tx1">
+                    <a:lumMod val="75000"/>
+                    <a:lumOff val="25000"/>
+                  </a:schemeClr>
+                </a:solidFill>
+                <a:latin typeface="微软雅黑" pitchFamily="34" charset="-122"/>
+                <a:ea typeface="微软雅黑" pitchFamily="34" charset="-122"/>
+              </a:rPr>
+              <a:t>参数 </a:t>
             </a:r>
             <a:r>
               <a:rPr lang="en-US" altLang="zh-CN" sz="2400" b="1" dirty="0" smtClean="0">
@@ -6418,7 +6604,7 @@
                 <a:latin typeface="微软雅黑" pitchFamily="34" charset="-122"/>
                 <a:ea typeface="微软雅黑" pitchFamily="34" charset="-122"/>
               </a:rPr>
-              <a:t>ultiple </a:t>
+              <a:t>multiple </a:t>
             </a:r>
             <a:r>
               <a:rPr lang="zh-CN" altLang="en-US" sz="2400" dirty="0" smtClean="0">
@@ -6451,6 +6637,19 @@
               </a:lnSpc>
             </a:pPr>
             <a:r>
+              <a:rPr lang="zh-CN" altLang="en-US" sz="2400" b="1" dirty="0" smtClean="0">
+                <a:solidFill>
+                  <a:schemeClr val="tx1">
+                    <a:lumMod val="75000"/>
+                    <a:lumOff val="25000"/>
+                  </a:schemeClr>
+                </a:solidFill>
+                <a:latin typeface="微软雅黑" pitchFamily="34" charset="-122"/>
+                <a:ea typeface="微软雅黑" pitchFamily="34" charset="-122"/>
+              </a:rPr>
+              <a:t>参数 </a:t>
+            </a:r>
+            <a:r>
               <a:rPr lang="en-US" altLang="zh-CN" sz="2400" b="1" dirty="0" smtClean="0">
                 <a:solidFill>
                   <a:schemeClr val="tx1">
@@ -6477,17 +6676,17 @@
               <a:t>ptional</a:t>
             </a:r>
             <a:r>
-              <a:rPr lang="en-US" altLang="zh-CN" sz="2400" dirty="0" smtClean="0">
-                <a:solidFill>
-                  <a:schemeClr val="tx1">
-                    <a:lumMod val="75000"/>
-                    <a:lumOff val="25000"/>
-                  </a:schemeClr>
-                </a:solidFill>
-                <a:latin typeface="微软雅黑" pitchFamily="34" charset="-122"/>
-                <a:ea typeface="微软雅黑" pitchFamily="34" charset="-122"/>
-              </a:rPr>
-              <a:t>:</a:t>
+              <a:rPr lang="zh-CN" altLang="en-US" sz="2400" dirty="0">
+                <a:solidFill>
+                  <a:schemeClr val="tx1">
+                    <a:lumMod val="75000"/>
+                    <a:lumOff val="25000"/>
+                  </a:schemeClr>
+                </a:solidFill>
+                <a:latin typeface="微软雅黑" pitchFamily="34" charset="-122"/>
+                <a:ea typeface="微软雅黑" pitchFamily="34" charset="-122"/>
+              </a:rPr>
+              <a:t>：</a:t>
             </a:r>
             <a:r>
               <a:rPr lang="zh-CN" altLang="en-US" sz="2400" dirty="0" smtClean="0">
@@ -6500,7 +6699,20 @@
                 <a:latin typeface="微软雅黑" pitchFamily="34" charset="-122"/>
                 <a:ea typeface="微软雅黑" pitchFamily="34" charset="-122"/>
               </a:rPr>
-              <a:t>如果文件存在，就引入</a:t>
+              <a:t>如果</a:t>
+            </a:r>
+            <a:r>
+              <a:rPr lang="zh-CN" altLang="en-US" sz="2400" dirty="0" smtClean="0">
+                <a:solidFill>
+                  <a:schemeClr val="tx1">
+                    <a:lumMod val="75000"/>
+                    <a:lumOff val="25000"/>
+                  </a:schemeClr>
+                </a:solidFill>
+                <a:latin typeface="微软雅黑" pitchFamily="34" charset="-122"/>
+                <a:ea typeface="微软雅黑" pitchFamily="34" charset="-122"/>
+              </a:rPr>
+              <a:t>文件存在，就引入</a:t>
             </a:r>
             <a:r>
               <a:rPr lang="en-US" altLang="zh-CN" sz="2400" dirty="0" smtClean="0">
@@ -6899,59 +7111,7 @@
                 <a:latin typeface="微软雅黑" pitchFamily="34" charset="-122"/>
                 <a:ea typeface="微软雅黑" pitchFamily="34" charset="-122"/>
               </a:rPr>
-              <a:t>分离属性可以放</a:t>
-            </a:r>
-            <a:r>
-              <a:rPr lang="zh-CN" altLang="en-US" sz="2400" dirty="0" smtClean="0">
-                <a:solidFill>
-                  <a:schemeClr val="tx1">
-                    <a:lumMod val="75000"/>
-                    <a:lumOff val="25000"/>
-                  </a:schemeClr>
-                </a:solidFill>
-                <a:latin typeface="微软雅黑" pitchFamily="34" charset="-122"/>
-                <a:ea typeface="微软雅黑" pitchFamily="34" charset="-122"/>
-              </a:rPr>
-              <a:t>在另</a:t>
-            </a:r>
-            <a:r>
-              <a:rPr lang="zh-CN" altLang="en-US" sz="2400" dirty="0" smtClean="0">
-                <a:solidFill>
-                  <a:schemeClr val="tx1">
-                    <a:lumMod val="75000"/>
-                    <a:lumOff val="25000"/>
-                  </a:schemeClr>
-                </a:solidFill>
-                <a:latin typeface="微软雅黑" pitchFamily="34" charset="-122"/>
-                <a:ea typeface="微软雅黑" pitchFamily="34" charset="-122"/>
-              </a:rPr>
-              <a:t>一个</a:t>
-            </a:r>
-            <a:r>
-              <a:rPr lang="zh-CN" altLang="en-US" sz="2400" dirty="0" smtClean="0">
-                <a:solidFill>
-                  <a:schemeClr val="tx1">
-                    <a:lumMod val="75000"/>
-                    <a:lumOff val="25000"/>
-                  </a:schemeClr>
-                </a:solidFill>
-                <a:latin typeface="微软雅黑" pitchFamily="34" charset="-122"/>
-                <a:ea typeface="微软雅黑" pitchFamily="34" charset="-122"/>
-              </a:rPr>
-              <a:t>结构或集合，</a:t>
-            </a:r>
-            <a:r>
-              <a:rPr lang="zh-CN" altLang="en-US" sz="2400" dirty="0" smtClean="0">
-                <a:solidFill>
-                  <a:schemeClr val="tx1">
-                    <a:lumMod val="75000"/>
-                    <a:lumOff val="25000"/>
-                  </a:schemeClr>
-                </a:solidFill>
-                <a:latin typeface="微软雅黑" pitchFamily="34" charset="-122"/>
-                <a:ea typeface="微软雅黑" pitchFamily="34" charset="-122"/>
-              </a:rPr>
-              <a:t>相当于拷贝了那些属性，或者作为混合的参数传递</a:t>
+              <a:t>分离属性可以放在另一个结构或集合，相当于拷贝了那些属性，或者作为混合的参数传递</a:t>
             </a:r>
             <a:r>
               <a:rPr lang="en-US" altLang="zh-CN" sz="2400" dirty="0" smtClean="0">
@@ -7646,13 +7806,13 @@
         </p:nvSpPr>
         <p:spPr>
           <a:xfrm>
-            <a:off x="2790008" y="4933315"/>
+            <a:off x="2555776" y="4681287"/>
             <a:ext cx="2790104" cy="504056"/>
           </a:xfrm>
           <a:prstGeom prst="wedgeRoundRectCallout">
             <a:avLst>
-              <a:gd name="adj1" fmla="val -59335"/>
-              <a:gd name="adj2" fmla="val 12264"/>
+              <a:gd name="adj1" fmla="val -55301"/>
+              <a:gd name="adj2" fmla="val 15055"/>
               <a:gd name="adj3" fmla="val 16667"/>
             </a:avLst>
           </a:prstGeom>
@@ -8865,6 +9025,58 @@
           </a:p>
         </p:txBody>
       </p:sp>
+      <p:sp>
+        <p:nvSpPr>
+          <p:cNvPr id="17" name="圆角矩形标注 16"/>
+          <p:cNvSpPr/>
+          <p:nvPr/>
+        </p:nvSpPr>
+        <p:spPr>
+          <a:xfrm>
+            <a:off x="2885262" y="1988840"/>
+            <a:ext cx="3044240" cy="504056"/>
+          </a:xfrm>
+          <a:prstGeom prst="wedgeRoundRectCallout">
+            <a:avLst>
+              <a:gd name="adj1" fmla="val -55872"/>
+              <a:gd name="adj2" fmla="val -10063"/>
+              <a:gd name="adj3" fmla="val 16667"/>
+            </a:avLst>
+          </a:prstGeom>
+        </p:spPr>
+        <p:style>
+          <a:lnRef idx="2">
+            <a:schemeClr val="accent5"/>
+          </a:lnRef>
+          <a:fillRef idx="1">
+            <a:schemeClr val="lt1"/>
+          </a:fillRef>
+          <a:effectRef idx="0">
+            <a:schemeClr val="accent5"/>
+          </a:effectRef>
+          <a:fontRef idx="minor">
+            <a:schemeClr val="dk1"/>
+          </a:fontRef>
+        </p:style>
+        <p:txBody>
+          <a:bodyPr rtlCol="0" anchor="ctr"/>
+          <a:lstStyle/>
+          <a:p>
+            <a:pPr algn="ctr"/>
+            <a:r>
+              <a:rPr lang="zh-CN" altLang="en-US" dirty="0" smtClean="0">
+                <a:latin typeface="微软雅黑" pitchFamily="34" charset="-122"/>
+                <a:ea typeface="微软雅黑" pitchFamily="34" charset="-122"/>
+              </a:rPr>
+              <a:t>此处未定义，定义在调用处</a:t>
+            </a:r>
+            <a:endParaRPr lang="zh-CN" altLang="en-US" dirty="0">
+              <a:latin typeface="微软雅黑" pitchFamily="34" charset="-122"/>
+              <a:ea typeface="微软雅黑" pitchFamily="34" charset="-122"/>
+            </a:endParaRPr>
+          </a:p>
+        </p:txBody>
+      </p:sp>
     </p:spTree>
     <p:extLst>
       <p:ext uri="{BB962C8B-B14F-4D97-AF65-F5344CB8AC3E}">
@@ -9214,6 +9426,110 @@
           </a:p>
         </p:txBody>
       </p:sp>
+      <p:sp>
+        <p:nvSpPr>
+          <p:cNvPr id="9" name="圆角矩形标注 8"/>
+          <p:cNvSpPr/>
+          <p:nvPr/>
+        </p:nvSpPr>
+        <p:spPr>
+          <a:xfrm>
+            <a:off x="3491880" y="1880828"/>
+            <a:ext cx="2005322" cy="504056"/>
+          </a:xfrm>
+          <a:prstGeom prst="wedgeRoundRectCallout">
+            <a:avLst>
+              <a:gd name="adj1" fmla="val -55872"/>
+              <a:gd name="adj2" fmla="val -10063"/>
+              <a:gd name="adj3" fmla="val 16667"/>
+            </a:avLst>
+          </a:prstGeom>
+        </p:spPr>
+        <p:style>
+          <a:lnRef idx="2">
+            <a:schemeClr val="accent5"/>
+          </a:lnRef>
+          <a:fillRef idx="1">
+            <a:schemeClr val="lt1"/>
+          </a:fillRef>
+          <a:effectRef idx="0">
+            <a:schemeClr val="accent5"/>
+          </a:effectRef>
+          <a:fontRef idx="minor">
+            <a:schemeClr val="dk1"/>
+          </a:fontRef>
+        </p:style>
+        <p:txBody>
+          <a:bodyPr rtlCol="0" anchor="ctr"/>
+          <a:lstStyle/>
+          <a:p>
+            <a:pPr algn="ctr"/>
+            <a:r>
+              <a:rPr lang="zh-CN" altLang="en-US" dirty="0" smtClean="0">
+                <a:latin typeface="微软雅黑" pitchFamily="34" charset="-122"/>
+                <a:ea typeface="微软雅黑" pitchFamily="34" charset="-122"/>
+              </a:rPr>
+              <a:t>定义区变量</a:t>
+            </a:r>
+            <a:endParaRPr lang="zh-CN" altLang="en-US" dirty="0">
+              <a:latin typeface="微软雅黑" pitchFamily="34" charset="-122"/>
+              <a:ea typeface="微软雅黑" pitchFamily="34" charset="-122"/>
+            </a:endParaRPr>
+          </a:p>
+        </p:txBody>
+      </p:sp>
+      <p:sp>
+        <p:nvSpPr>
+          <p:cNvPr id="10" name="圆角矩形标注 9"/>
+          <p:cNvSpPr/>
+          <p:nvPr/>
+        </p:nvSpPr>
+        <p:spPr>
+          <a:xfrm>
+            <a:off x="1844739" y="5085184"/>
+            <a:ext cx="2005322" cy="504056"/>
+          </a:xfrm>
+          <a:prstGeom prst="wedgeRoundRectCallout">
+            <a:avLst>
+              <a:gd name="adj1" fmla="val -29214"/>
+              <a:gd name="adj2" fmla="val -65881"/>
+              <a:gd name="adj3" fmla="val 16667"/>
+            </a:avLst>
+          </a:prstGeom>
+        </p:spPr>
+        <p:style>
+          <a:lnRef idx="2">
+            <a:schemeClr val="accent5"/>
+          </a:lnRef>
+          <a:fillRef idx="1">
+            <a:schemeClr val="lt1"/>
+          </a:fillRef>
+          <a:effectRef idx="0">
+            <a:schemeClr val="accent5"/>
+          </a:effectRef>
+          <a:fontRef idx="minor">
+            <a:schemeClr val="dk1"/>
+          </a:fontRef>
+        </p:style>
+        <p:txBody>
+          <a:bodyPr rtlCol="0" anchor="ctr"/>
+          <a:lstStyle/>
+          <a:p>
+            <a:pPr algn="ctr"/>
+            <a:r>
+              <a:rPr lang="zh-CN" altLang="en-US" dirty="0" smtClean="0">
+                <a:latin typeface="微软雅黑" pitchFamily="34" charset="-122"/>
+                <a:ea typeface="微软雅黑" pitchFamily="34" charset="-122"/>
+              </a:rPr>
+              <a:t>调用区变量</a:t>
+            </a:r>
+            <a:endParaRPr lang="zh-CN" altLang="en-US" dirty="0">
+              <a:latin typeface="微软雅黑" pitchFamily="34" charset="-122"/>
+              <a:ea typeface="微软雅黑" pitchFamily="34" charset="-122"/>
+            </a:endParaRPr>
+          </a:p>
+        </p:txBody>
+      </p:sp>
     </p:spTree>
     <p:extLst>
       <p:ext uri="{BB962C8B-B14F-4D97-AF65-F5344CB8AC3E}">
@@ -9459,42 +9775,21 @@
                 <a:latin typeface="微软雅黑" pitchFamily="34" charset="-122"/>
                 <a:ea typeface="微软雅黑" pitchFamily="34" charset="-122"/>
               </a:rPr>
-              <a:t>@</a:t>
+              <a:t>@p6-2</a:t>
+            </a:r>
+            <a:r>
+              <a:rPr lang="zh-CN" altLang="en-US" dirty="0" smtClean="0">
+                <a:latin typeface="微软雅黑" pitchFamily="34" charset="-122"/>
+                <a:ea typeface="微软雅黑" pitchFamily="34" charset="-122"/>
+              </a:rPr>
+              <a:t>是从</a:t>
             </a:r>
             <a:r>
               <a:rPr lang="en-US" altLang="zh-CN" dirty="0" smtClean="0">
                 <a:latin typeface="微软雅黑" pitchFamily="34" charset="-122"/>
                 <a:ea typeface="微软雅黑" pitchFamily="34" charset="-122"/>
               </a:rPr>
-              <a:t>p6</a:t>
-            </a:r>
-            <a:r>
-              <a:rPr lang="en-US" altLang="zh-CN" dirty="0" smtClean="0">
-                <a:latin typeface="微软雅黑" pitchFamily="34" charset="-122"/>
-                <a:ea typeface="微软雅黑" pitchFamily="34" charset="-122"/>
-              </a:rPr>
-              <a:t>-2</a:t>
-            </a:r>
-            <a:r>
-              <a:rPr lang="zh-CN" altLang="en-US" dirty="0" smtClean="0">
-                <a:latin typeface="微软雅黑" pitchFamily="34" charset="-122"/>
-                <a:ea typeface="微软雅黑" pitchFamily="34" charset="-122"/>
-              </a:rPr>
-              <a:t>是从</a:t>
-            </a:r>
-            <a:r>
-              <a:rPr lang="en-US" altLang="zh-CN" dirty="0" smtClean="0">
-                <a:latin typeface="微软雅黑" pitchFamily="34" charset="-122"/>
-                <a:ea typeface="微软雅黑" pitchFamily="34" charset="-122"/>
-              </a:rPr>
-              <a:t>@</a:t>
-            </a:r>
-            <a:r>
-              <a:rPr lang="en-US" altLang="zh-CN" dirty="0" smtClean="0">
-                <a:latin typeface="微软雅黑" pitchFamily="34" charset="-122"/>
-                <a:ea typeface="微软雅黑" pitchFamily="34" charset="-122"/>
-              </a:rPr>
-              <a:t>p6</a:t>
+              <a:t>@p6</a:t>
             </a:r>
             <a:r>
               <a:rPr lang="zh-CN" altLang="en-US" dirty="0" smtClean="0">
@@ -10169,7 +10464,7 @@
   <a:extraClrSchemeLst/>
   <a:extLst>
     <a:ext uri="{05A4C25C-085E-4340-85A3-A5531E510DB2}">
-      <thm15:themeFamily xmlns="" xmlns:thm15="http://schemas.microsoft.com/office/thememl/2012/main" name="Office Theme" id="{62F939B6-93AF-4DB8-9C6B-D6C7DFDC589F}" vid="{4A3C46E8-61CC-4603-A589-7422A47A8E4A}"/>
+      <thm15:themeFamily xmlns:thm15="http://schemas.microsoft.com/office/thememl/2012/main" xmlns="" name="Office Theme" id="{62F939B6-93AF-4DB8-9C6B-D6C7DFDC589F}" vid="{4A3C46E8-61CC-4603-A589-7422A47A8E4A}"/>
     </a:ext>
   </a:extLst>
 </a:theme>
